--- a/Document KR.pptx
+++ b/Document KR.pptx
@@ -267,7 +267,7 @@
           <a:p>
             <a:fld id="{1D8BD707-D9CF-40AE-B4C6-C98DA3205C09}" type="datetimeFigureOut">
               <a:rPr lang="en-US"/>
-              <a:t>6/2/2022</a:t>
+              <a:t>6/9/2022</a:t>
             </a:fld>
             <a:endParaRPr lang="en-US"/>
           </a:p>
@@ -432,7 +432,7 @@
           <a:p>
             <a:fld id="{1D8BD707-D9CF-40AE-B4C6-C98DA3205C09}" type="datetimeFigureOut">
               <a:rPr lang="en-US"/>
-              <a:t>6/2/2022</a:t>
+              <a:t>6/9/2022</a:t>
             </a:fld>
             <a:endParaRPr lang="en-US"/>
           </a:p>
@@ -640,7 +640,7 @@
           <a:p>
             <a:fld id="{1D8BD707-D9CF-40AE-B4C6-C98DA3205C09}" type="datetimeFigureOut">
               <a:rPr lang="en-US"/>
-              <a:t>6/2/2022</a:t>
+              <a:t>6/9/2022</a:t>
             </a:fld>
             <a:endParaRPr lang="en-US"/>
           </a:p>
@@ -782,7 +782,7 @@
           <a:p>
             <a:fld id="{1D8BD707-D9CF-40AE-B4C6-C98DA3205C09}" type="datetimeFigureOut">
               <a:rPr lang="en-US"/>
-              <a:t>6/2/2022</a:t>
+              <a:t>6/9/2022</a:t>
             </a:fld>
             <a:endParaRPr lang="en-US"/>
           </a:p>
@@ -901,7 +901,7 @@
           <a:p>
             <a:fld id="{1D8BD707-D9CF-40AE-B4C6-C98DA3205C09}" type="datetimeFigureOut">
               <a:rPr lang="en-US"/>
-              <a:t>6/2/2022</a:t>
+              <a:t>6/9/2022</a:t>
             </a:fld>
             <a:endParaRPr lang="en-US"/>
           </a:p>
@@ -1164,7 +1164,7 @@
           <a:p>
             <a:fld id="{1D8BD707-D9CF-40AE-B4C6-C98DA3205C09}" type="datetimeFigureOut">
               <a:rPr lang="en-US"/>
-              <a:t>6/2/2022</a:t>
+              <a:t>6/9/2022</a:t>
             </a:fld>
             <a:endParaRPr lang="en-US"/>
           </a:p>
@@ -1712,28 +1712,6 @@
           </a:p>
         </p:txBody>
       </p:sp>
-      <p:pic>
-        <p:nvPicPr>
-          <p:cNvPr id="4" name="object 4"/>
-          <p:cNvPicPr/>
-          <p:nvPr/>
-        </p:nvPicPr>
-        <p:blipFill>
-          <a:blip r:embed="rId2" cstate="print"/>
-          <a:stretch>
-            <a:fillRect/>
-          </a:stretch>
-        </p:blipFill>
-        <p:spPr>
-          <a:xfrm>
-            <a:off x="330708" y="5886958"/>
-            <a:ext cx="3701796" cy="1761337"/>
-          </a:xfrm>
-          <a:prstGeom prst="rect">
-            <a:avLst/>
-          </a:prstGeom>
-        </p:spPr>
-      </p:pic>
       <p:sp>
         <p:nvSpPr>
           <p:cNvPr id="5" name="object 5"/>
@@ -1979,7 +1957,7 @@
         <p:spPr>
           <a:xfrm>
             <a:off x="368808" y="10058400"/>
-            <a:ext cx="6176594" cy="1508760"/>
+            <a:ext cx="6176594" cy="1504707"/>
           </a:xfrm>
           <a:prstGeom prst="rect">
             <a:avLst/>
@@ -2044,145 +2022,54 @@
               </a:lnSpc>
             </a:pPr>
             <a:r>
-              <a:rPr sz="1600" b="1" spc="65" dirty="0">
-                <a:solidFill>
-                  <a:schemeClr val="bg1"/>
-                </a:solidFill>
-                <a:latin typeface="맑은 고딕"/>
-                <a:cs typeface="맑은 고딕"/>
-              </a:rPr>
-              <a:t>설치 되는 중에 </a:t>
-            </a:r>
-            <a:r>
-              <a:rPr sz="1600" b="1" spc="100" dirty="0">
-                <a:solidFill>
-                  <a:schemeClr val="bg1"/>
-                </a:solidFill>
-                <a:latin typeface="맑은 고딕"/>
-                <a:cs typeface="맑은 고딕"/>
-              </a:rPr>
-              <a:t>유니티가 </a:t>
-            </a:r>
-            <a:r>
-              <a:rPr sz="1600" b="1" spc="110" dirty="0">
-                <a:solidFill>
-                  <a:schemeClr val="bg1"/>
-                </a:solidFill>
-                <a:latin typeface="맑은 고딕"/>
-                <a:cs typeface="맑은 고딕"/>
-              </a:rPr>
-              <a:t>재시작</a:t>
-            </a:r>
-            <a:r>
-              <a:rPr sz="1600" spc="110" dirty="0">
-                <a:solidFill>
-                  <a:schemeClr val="bg1"/>
-                </a:solidFill>
-                <a:latin typeface="맑은 고딕"/>
-                <a:cs typeface="맑은 고딕"/>
-              </a:rPr>
-              <a:t>되고, </a:t>
-            </a:r>
-            <a:r>
-              <a:rPr sz="1600" b="1" spc="65" dirty="0">
-                <a:solidFill>
-                  <a:schemeClr val="bg1"/>
-                </a:solidFill>
-                <a:latin typeface="맑은 고딕"/>
-                <a:cs typeface="맑은 고딕"/>
-              </a:rPr>
-              <a:t>다시 </a:t>
-            </a:r>
-            <a:r>
-              <a:rPr sz="1600" b="1" spc="90" dirty="0">
-                <a:solidFill>
-                  <a:schemeClr val="bg1"/>
-                </a:solidFill>
-                <a:latin typeface="맑은 고딕"/>
-                <a:cs typeface="맑은 고딕"/>
-              </a:rPr>
-              <a:t>열리면 </a:t>
-            </a:r>
-            <a:r>
-              <a:rPr sz="1600" b="1" spc="105" dirty="0">
-                <a:solidFill>
-                  <a:schemeClr val="bg1"/>
-                </a:solidFill>
-                <a:latin typeface="맑은 고딕"/>
-                <a:cs typeface="맑은 고딕"/>
-              </a:rPr>
-              <a:t>최종적으로 </a:t>
-            </a:r>
-            <a:r>
-              <a:rPr sz="1600" b="1" spc="-550" dirty="0">
-                <a:solidFill>
-                  <a:schemeClr val="bg1"/>
-                </a:solidFill>
-                <a:latin typeface="맑은 고딕"/>
-                <a:cs typeface="맑은 고딕"/>
-              </a:rPr>
-              <a:t> </a:t>
-            </a:r>
-            <a:r>
-              <a:rPr sz="1600" b="1" spc="105" dirty="0">
-                <a:solidFill>
-                  <a:schemeClr val="bg1"/>
-                </a:solidFill>
-                <a:latin typeface="맑은 고딕"/>
-                <a:cs typeface="맑은 고딕"/>
-              </a:rPr>
-              <a:t>설치</a:t>
-            </a:r>
-            <a:r>
-              <a:rPr sz="1600" dirty="0">
-                <a:solidFill>
-                  <a:schemeClr val="bg1"/>
-                </a:solidFill>
-                <a:latin typeface="맑은 고딕"/>
-                <a:cs typeface="맑은 고딕"/>
-              </a:rPr>
-              <a:t>를</a:t>
-            </a:r>
-            <a:r>
-              <a:rPr sz="1600" spc="140" dirty="0">
-                <a:solidFill>
-                  <a:schemeClr val="bg1"/>
-                </a:solidFill>
-                <a:latin typeface="맑은 고딕"/>
-                <a:cs typeface="맑은 고딕"/>
-              </a:rPr>
-              <a:t> </a:t>
-            </a:r>
-            <a:r>
-              <a:rPr sz="1600" spc="105" dirty="0">
-                <a:solidFill>
-                  <a:schemeClr val="bg1"/>
-                </a:solidFill>
-                <a:latin typeface="맑은 고딕"/>
-                <a:cs typeface="맑은 고딕"/>
-              </a:rPr>
-              <a:t>하</a:t>
-            </a:r>
-            <a:r>
-              <a:rPr sz="1600" dirty="0">
-                <a:solidFill>
-                  <a:schemeClr val="bg1"/>
-                </a:solidFill>
-                <a:latin typeface="맑은 고딕"/>
-                <a:cs typeface="맑은 고딕"/>
-              </a:rPr>
-              <a:t>여</a:t>
-            </a:r>
-            <a:r>
-              <a:rPr sz="1600" spc="140" dirty="0">
-                <a:solidFill>
-                  <a:schemeClr val="bg1"/>
-                </a:solidFill>
-                <a:latin typeface="맑은 고딕"/>
-                <a:cs typeface="맑은 고딕"/>
-              </a:rPr>
-              <a:t> </a:t>
-            </a:r>
+              <a:rPr lang="ko-KR" altLang="en-US" sz="1600">
+                <a:solidFill>
+                  <a:schemeClr val="bg1"/>
+                </a:solidFill>
+                <a:latin typeface="맑은 고딕"/>
+                <a:cs typeface="맑은 고딕"/>
+              </a:rPr>
+              <a:t>설치를 하면서 </a:t>
+            </a:r>
+            <a:r>
+              <a:rPr lang="en-US" altLang="ko-KR" sz="1600">
+                <a:solidFill>
+                  <a:schemeClr val="bg1"/>
+                </a:solidFill>
+                <a:latin typeface="맑은 고딕"/>
+                <a:cs typeface="맑은 고딕"/>
+              </a:rPr>
+              <a:t>Define</a:t>
+            </a:r>
+            <a:r>
+              <a:rPr lang="ko-KR" altLang="en-US" sz="1600">
+                <a:solidFill>
+                  <a:schemeClr val="bg1"/>
+                </a:solidFill>
+                <a:latin typeface="맑은 고딕"/>
+                <a:cs typeface="맑은 고딕"/>
+              </a:rPr>
+              <a:t>이 추가되며 기능이 활성화 되고</a:t>
+            </a:r>
+            <a:r>
+              <a:rPr lang="en-US" altLang="ko-KR" sz="1600">
+                <a:solidFill>
+                  <a:schemeClr val="bg1"/>
+                </a:solidFill>
+                <a:latin typeface="맑은 고딕"/>
+                <a:cs typeface="맑은 고딕"/>
+              </a:rPr>
+              <a:t>,</a:t>
+            </a:r>
+            <a:br>
+              <a:rPr lang="en-US" altLang="ko-KR" sz="1600">
+                <a:solidFill>
+                  <a:schemeClr val="bg1"/>
+                </a:solidFill>
+                <a:latin typeface="맑은 고딕"/>
+                <a:cs typeface="맑은 고딕"/>
+              </a:rPr>
+            </a:br>
             <a:r>
               <a:rPr sz="1600">
                 <a:solidFill>
@@ -2479,7 +2366,7 @@
                 </a:solidFill>
                 <a:latin typeface="Inter Light" panose="02000503000000020004" pitchFamily="2" charset="0"/>
               </a:rPr>
-              <a:t>1.1.</a:t>
+              <a:t>1.</a:t>
             </a:r>
             <a:r>
               <a:rPr lang="en-US" altLang="ko-KR">
@@ -2488,7 +2375,25 @@
                 </a:solidFill>
                 <a:latin typeface="Inter Light" panose="02000503000000020004" pitchFamily="2" charset="0"/>
               </a:rPr>
-              <a:t>10</a:t>
+              <a:t>2</a:t>
+            </a:r>
+            <a:r>
+              <a:rPr lang="ko-KR" altLang="en-US">
+                <a:solidFill>
+                  <a:schemeClr val="bg1"/>
+                </a:solidFill>
+                <a:latin typeface="Inter Light" panose="02000503000000020004" pitchFamily="2" charset="0"/>
+              </a:rPr>
+              <a:t>.</a:t>
+            </a:r>
+            <a:r>
+              <a:rPr lang="en-US" altLang="ko-KR">
+                <a:solidFill>
+                  <a:schemeClr val="bg1"/>
+                </a:solidFill>
+                <a:latin typeface="Inter Light" panose="02000503000000020004" pitchFamily="2" charset="0"/>
+              </a:rPr>
+              <a:t>0</a:t>
             </a:r>
             <a:r>
               <a:rPr lang="ko-KR" altLang="en-US">
@@ -2597,10 +2502,10 @@
       </p:sp>
       <p:pic>
         <p:nvPicPr>
-          <p:cNvPr id="20" name="Picture 19">
+          <p:cNvPr id="12" name="그림 11">
             <a:extLst>
               <a:ext uri="{FF2B5EF4-FFF2-40B4-BE49-F238E27FC236}">
-                <a16:creationId xmlns:a16="http://schemas.microsoft.com/office/drawing/2014/main" id="{ABB1B253-517D-4194-B140-168B9230A39C}"/>
+                <a16:creationId xmlns:a16="http://schemas.microsoft.com/office/drawing/2014/main" id="{F83B904C-FB89-4668-96B7-38F9F8E7709E}"/>
               </a:ext>
             </a:extLst>
           </p:cNvPr>
@@ -2610,7 +2515,7 @@
           <p:nvPr/>
         </p:nvPicPr>
         <p:blipFill>
-          <a:blip r:embed="rId3">
+          <a:blip r:embed="rId2">
             <a:extLst>
               <a:ext uri="{28A0092B-C50C-407E-A947-70E740481C1C}">
                 <a14:useLocalDpi xmlns:a14="http://schemas.microsoft.com/office/drawing/2010/main" val="0"/>
@@ -2623,8 +2528,38 @@
         </p:blipFill>
         <p:spPr>
           <a:xfrm>
-            <a:off x="800498" y="1226739"/>
-            <a:ext cx="472677" cy="472677"/>
+            <a:off x="786209" y="1204695"/>
+            <a:ext cx="472678" cy="472678"/>
+          </a:xfrm>
+          <a:prstGeom prst="rect">
+            <a:avLst/>
+          </a:prstGeom>
+        </p:spPr>
+      </p:pic>
+      <p:pic>
+        <p:nvPicPr>
+          <p:cNvPr id="15" name="그림 14">
+            <a:extLst>
+              <a:ext uri="{FF2B5EF4-FFF2-40B4-BE49-F238E27FC236}">
+                <a16:creationId xmlns:a16="http://schemas.microsoft.com/office/drawing/2014/main" id="{3802EAE4-08FF-4393-ADE0-B31EB936D73E}"/>
+              </a:ext>
+            </a:extLst>
+          </p:cNvPr>
+          <p:cNvPicPr>
+            <a:picLocks noChangeAspect="1"/>
+          </p:cNvPicPr>
+          <p:nvPr/>
+        </p:nvPicPr>
+        <p:blipFill>
+          <a:blip r:embed="rId3"/>
+          <a:stretch>
+            <a:fillRect/>
+          </a:stretch>
+        </p:blipFill>
+        <p:spPr>
+          <a:xfrm>
+            <a:off x="330708" y="5886958"/>
+            <a:ext cx="3701794" cy="1761337"/>
           </a:xfrm>
           <a:prstGeom prst="rect">
             <a:avLst/>
@@ -2936,28 +2871,6 @@
           </a:prstGeom>
         </p:spPr>
       </p:pic>
-      <p:pic>
-        <p:nvPicPr>
-          <p:cNvPr id="6" name="object 6"/>
-          <p:cNvPicPr/>
-          <p:nvPr/>
-        </p:nvPicPr>
-        <p:blipFill>
-          <a:blip r:embed="rId3" cstate="print"/>
-          <a:stretch>
-            <a:fillRect/>
-          </a:stretch>
-        </p:blipFill>
-        <p:spPr>
-          <a:xfrm>
-            <a:off x="358140" y="816483"/>
-            <a:ext cx="3674364" cy="1748281"/>
-          </a:xfrm>
-          <a:prstGeom prst="rect">
-            <a:avLst/>
-          </a:prstGeom>
-        </p:spPr>
-      </p:pic>
       <p:sp>
         <p:nvSpPr>
           <p:cNvPr id="7" name="object 7"/>
@@ -3166,6 +3079,36 @@
           </a:p>
         </p:txBody>
       </p:sp>
+      <p:pic>
+        <p:nvPicPr>
+          <p:cNvPr id="11" name="그림 10">
+            <a:extLst>
+              <a:ext uri="{FF2B5EF4-FFF2-40B4-BE49-F238E27FC236}">
+                <a16:creationId xmlns:a16="http://schemas.microsoft.com/office/drawing/2014/main" id="{337F2DA6-81EB-4DB5-9A8B-AA9238D70B2E}"/>
+              </a:ext>
+            </a:extLst>
+          </p:cNvPr>
+          <p:cNvPicPr>
+            <a:picLocks noChangeAspect="1"/>
+          </p:cNvPicPr>
+          <p:nvPr/>
+        </p:nvPicPr>
+        <p:blipFill>
+          <a:blip r:embed="rId3"/>
+          <a:stretch>
+            <a:fillRect/>
+          </a:stretch>
+        </p:blipFill>
+        <p:spPr>
+          <a:xfrm>
+            <a:off x="358316" y="816483"/>
+            <a:ext cx="3674353" cy="1748281"/>
+          </a:xfrm>
+          <a:prstGeom prst="rect">
+            <a:avLst/>
+          </a:prstGeom>
+        </p:spPr>
+      </p:pic>
     </p:spTree>
   </p:cSld>
   <p:clrMapOvr>
@@ -5688,12 +5631,20 @@
           <a:p>
             <a:pPr algn="ctr"/>
             <a:r>
+              <a:rPr lang="en-US" altLang="ko-KR">
+                <a:solidFill>
+                  <a:schemeClr val="bg1"/>
+                </a:solidFill>
+              </a:rPr>
+              <a:t>Assets/Plugins/ShaderGraphHotKey/Settings</a:t>
+            </a:r>
+            <a:r>
               <a:rPr lang="ko-KR" altLang="en-US">
                 <a:solidFill>
                   <a:schemeClr val="bg1"/>
                 </a:solidFill>
               </a:rPr>
-              <a:t>Assets/Plugins/ShaderGraphHotKey/Settings/HotKeySettings.asset</a:t>
+              <a:t>/HotKeySettings.asset</a:t>
             </a:r>
           </a:p>
         </p:txBody>
@@ -5721,35 +5672,6 @@
           <a:xfrm>
             <a:off x="457200" y="2738815"/>
             <a:ext cx="1579081" cy="1866900"/>
-          </a:xfrm>
-          <a:prstGeom prst="rect">
-            <a:avLst/>
-          </a:prstGeom>
-        </p:spPr>
-      </p:pic>
-      <p:pic>
-        <p:nvPicPr>
-          <p:cNvPr id="14" name="Picture 13">
-            <a:extLst>
-              <a:ext uri="{FF2B5EF4-FFF2-40B4-BE49-F238E27FC236}">
-                <a16:creationId xmlns:a16="http://schemas.microsoft.com/office/drawing/2014/main" id="{B1A0DADD-24C1-4FB9-B301-44EE14072357}"/>
-              </a:ext>
-            </a:extLst>
-          </p:cNvPr>
-          <p:cNvPicPr>
-            <a:picLocks noChangeAspect="1"/>
-          </p:cNvPicPr>
-          <p:nvPr/>
-        </p:nvPicPr>
-        <p:blipFill rotWithShape="1">
-          <a:blip r:embed="rId3"/>
-          <a:srcRect b="40625"/>
-          <a:stretch/>
-        </p:blipFill>
-        <p:spPr>
-          <a:xfrm>
-            <a:off x="2362200" y="1143000"/>
-            <a:ext cx="4114800" cy="5058530"/>
           </a:xfrm>
           <a:prstGeom prst="rect">
             <a:avLst/>
@@ -5975,6 +5897,35 @@
           </a:p>
         </p:txBody>
       </p:sp>
+      <p:pic>
+        <p:nvPicPr>
+          <p:cNvPr id="13" name="그림 12">
+            <a:extLst>
+              <a:ext uri="{FF2B5EF4-FFF2-40B4-BE49-F238E27FC236}">
+                <a16:creationId xmlns:a16="http://schemas.microsoft.com/office/drawing/2014/main" id="{F41B3EEC-A18B-4B39-8120-57D5E1A22E26}"/>
+              </a:ext>
+            </a:extLst>
+          </p:cNvPr>
+          <p:cNvPicPr>
+            <a:picLocks noChangeAspect="1"/>
+          </p:cNvPicPr>
+          <p:nvPr/>
+        </p:nvPicPr>
+        <p:blipFill rotWithShape="1">
+          <a:blip r:embed="rId4"/>
+          <a:srcRect b="38899"/>
+          <a:stretch/>
+        </p:blipFill>
+        <p:spPr>
+          <a:xfrm>
+            <a:off x="2632801" y="983880"/>
+            <a:ext cx="3867059" cy="5111713"/>
+          </a:xfrm>
+          <a:prstGeom prst="rect">
+            <a:avLst/>
+          </a:prstGeom>
+        </p:spPr>
+      </p:pic>
     </p:spTree>
     <p:extLst>
       <p:ext uri="{BB962C8B-B14F-4D97-AF65-F5344CB8AC3E}">
@@ -7103,7 +7054,7 @@
         </p:nvSpPr>
         <p:spPr>
           <a:xfrm>
-            <a:off x="375613" y="4267200"/>
+            <a:off x="375613" y="7543800"/>
             <a:ext cx="6068073" cy="1285288"/>
           </a:xfrm>
           <a:prstGeom prst="rect">
@@ -7195,6 +7146,111 @@
               <a:latin typeface="+mj-ea"/>
               <a:ea typeface="+mj-ea"/>
             </a:endParaRPr>
+          </a:p>
+        </p:txBody>
+      </p:sp>
+      <p:pic>
+        <p:nvPicPr>
+          <p:cNvPr id="4" name="그림 3">
+            <a:extLst>
+              <a:ext uri="{FF2B5EF4-FFF2-40B4-BE49-F238E27FC236}">
+                <a16:creationId xmlns:a16="http://schemas.microsoft.com/office/drawing/2014/main" id="{771C9A2B-275E-4743-8EAC-74F5A3A94CE8}"/>
+              </a:ext>
+            </a:extLst>
+          </p:cNvPr>
+          <p:cNvPicPr>
+            <a:picLocks noChangeAspect="1"/>
+          </p:cNvPicPr>
+          <p:nvPr/>
+        </p:nvPicPr>
+        <p:blipFill>
+          <a:blip r:embed="rId3"/>
+          <a:stretch>
+            <a:fillRect/>
+          </a:stretch>
+        </p:blipFill>
+        <p:spPr>
+          <a:xfrm>
+            <a:off x="331175" y="4003915"/>
+            <a:ext cx="6170245" cy="1730856"/>
+          </a:xfrm>
+          <a:prstGeom prst="rect">
+            <a:avLst/>
+          </a:prstGeom>
+        </p:spPr>
+      </p:pic>
+      <p:sp>
+        <p:nvSpPr>
+          <p:cNvPr id="9" name="TextBox 8">
+            <a:extLst>
+              <a:ext uri="{FF2B5EF4-FFF2-40B4-BE49-F238E27FC236}">
+                <a16:creationId xmlns:a16="http://schemas.microsoft.com/office/drawing/2014/main" id="{093CFDB7-B36B-40FA-9778-6DCD73041344}"/>
+              </a:ext>
+            </a:extLst>
+          </p:cNvPr>
+          <p:cNvSpPr txBox="1"/>
+          <p:nvPr/>
+        </p:nvSpPr>
+        <p:spPr>
+          <a:xfrm>
+            <a:off x="343877" y="5776719"/>
+            <a:ext cx="6099810" cy="869790"/>
+          </a:xfrm>
+          <a:prstGeom prst="rect">
+            <a:avLst/>
+          </a:prstGeom>
+          <a:noFill/>
+        </p:spPr>
+        <p:txBody>
+          <a:bodyPr wrap="square">
+            <a:spAutoFit/>
+          </a:bodyPr>
+          <a:lstStyle/>
+          <a:p>
+            <a:pPr>
+              <a:lnSpc>
+                <a:spcPct val="150000"/>
+              </a:lnSpc>
+            </a:pPr>
+            <a:r>
+              <a:rPr lang="ko-KR" altLang="en-US">
+                <a:solidFill>
+                  <a:schemeClr val="bg1"/>
+                </a:solidFill>
+                <a:latin typeface="+mj-ea"/>
+                <a:ea typeface="+mj-ea"/>
+              </a:rPr>
+              <a:t>새로고침 버튼이 활성화 되면 클릭하여 적용을</a:t>
+            </a:r>
+            <a:br>
+              <a:rPr lang="en-US" altLang="ko-KR">
+                <a:solidFill>
+                  <a:schemeClr val="bg1"/>
+                </a:solidFill>
+                <a:latin typeface="+mj-ea"/>
+                <a:ea typeface="+mj-ea"/>
+              </a:rPr>
+            </a:br>
+            <a:r>
+              <a:rPr lang="ko-KR" altLang="en-US">
+                <a:solidFill>
+                  <a:schemeClr val="bg1"/>
+                </a:solidFill>
+                <a:latin typeface="+mj-ea"/>
+                <a:ea typeface="+mj-ea"/>
+              </a:rPr>
+              <a:t>마무리합니다</a:t>
+            </a:r>
+            <a:r>
+              <a:rPr lang="en-US" altLang="ko-KR">
+                <a:solidFill>
+                  <a:schemeClr val="bg1"/>
+                </a:solidFill>
+                <a:latin typeface="+mj-ea"/>
+                <a:ea typeface="+mj-ea"/>
+              </a:rPr>
+              <a:t>.</a:t>
+            </a:r>
           </a:p>
         </p:txBody>
       </p:sp>
